--- a/presentation/Summer of Trailhead and Process Builder - Doug Ayers - 2015-07-16.pptx
+++ b/presentation/Summer of Trailhead and Process Builder - Doug Ayers - 2015-07-16.pptx
@@ -6380,7 +6380,19 @@
                 <a:cs typeface="Pacifico"/>
                 <a:sym typeface="Pacifico"/>
               </a:rPr>
-              <a:t>Spring ‘15 Enhancements</a:t>
+              <a:t>Summer </a:t>
+            </a:r>
+            <a:r>
+              <a:rPr lang="en-US" sz="4000" smtClean="0">
+                <a:solidFill>
+                  <a:schemeClr val="lt1"/>
+                </a:solidFill>
+                <a:latin typeface="Pacifico"/>
+                <a:ea typeface="Pacifico"/>
+                <a:cs typeface="Pacifico"/>
+                <a:sym typeface="Pacifico"/>
+              </a:rPr>
+              <a:t>‘15 Enhancements</a:t>
             </a:r>
             <a:endParaRPr lang="en-US" sz="4000" b="0" i="0" u="none" strike="noStrike" cap="none" baseline="0">
               <a:solidFill>
@@ -7439,13 +7451,7 @@
               <a:rPr lang="en-US">
                 <a:hlinkClick r:id="rId3"/>
               </a:rPr>
-              <a:t>https</a:t>
-            </a:r>
-            <a:r>
-              <a:rPr lang="en-US">
-                <a:hlinkClick r:id="rId3"/>
-              </a:rPr>
-              <a:t>://</a:t>
+              <a:t>https://</a:t>
             </a:r>
             <a:r>
               <a:rPr lang="en-US" smtClean="0">
@@ -13942,21 +13948,6 @@
 </file>
 
 <file path=customXml/item1.xml><?xml version="1.0" encoding="utf-8"?>
-<p:properties xmlns:p="http://schemas.microsoft.com/office/2006/metadata/properties" xmlns:xsi="http://www.w3.org/2001/XMLSchema-instance" xmlns:pc="http://schemas.microsoft.com/office/infopath/2007/PartnerControls">
-  <documentManagement/>
-</p:properties>
-</file>
-
-<file path=customXml/item2.xml><?xml version="1.0" encoding="utf-8"?>
-<?mso-contentType ?>
-<FormTemplates xmlns="http://schemas.microsoft.com/sharepoint/v3/contenttype/forms">
-  <Display>DocumentLibraryForm</Display>
-  <Edit>DocumentLibraryForm</Edit>
-  <New>DocumentLibraryForm</New>
-</FormTemplates>
-</file>
-
-<file path=customXml/item3.xml><?xml version="1.0" encoding="utf-8"?>
 <ct:contentTypeSchema xmlns:ct="http://schemas.microsoft.com/office/2006/metadata/contentType" xmlns:ma="http://schemas.microsoft.com/office/2006/metadata/properties/metaAttributes" ct:_="" ma:_="" ma:contentTypeName="Document" ma:contentTypeID="0x01010079A5313E3921E446AB30A85975332AD6" ma:contentTypeVersion="0" ma:contentTypeDescription="Create a new document." ma:contentTypeScope="" ma:versionID="93811c031fd9a48c494e04e565a5b1f2">
   <xsd:schema xmlns:xsd="http://www.w3.org/2001/XMLSchema" xmlns:xs="http://www.w3.org/2001/XMLSchema" xmlns:p="http://schemas.microsoft.com/office/2006/metadata/properties" targetNamespace="http://schemas.microsoft.com/office/2006/metadata/properties" ma:root="true" ma:fieldsID="6834f8c0c0eabdc6c42b2f987c760c09">
     <xsd:element name="properties">
@@ -14070,17 +14061,33 @@
 </ct:contentTypeSchema>
 </file>
 
+<file path=customXml/item2.xml><?xml version="1.0" encoding="utf-8"?>
+<?mso-contentType ?>
+<FormTemplates xmlns="http://schemas.microsoft.com/sharepoint/v3/contenttype/forms">
+  <Display>DocumentLibraryForm</Display>
+  <Edit>DocumentLibraryForm</Edit>
+  <New>DocumentLibraryForm</New>
+</FormTemplates>
+</file>
+
+<file path=customXml/item3.xml><?xml version="1.0" encoding="utf-8"?>
+<p:properties xmlns:p="http://schemas.microsoft.com/office/2006/metadata/properties" xmlns:xsi="http://www.w3.org/2001/XMLSchema-instance" xmlns:pc="http://schemas.microsoft.com/office/infopath/2007/PartnerControls">
+  <documentManagement/>
+</p:properties>
+</file>
+
 <file path=customXml/itemProps1.xml><?xml version="1.0" encoding="utf-8"?>
-<ds:datastoreItem xmlns:ds="http://schemas.openxmlformats.org/officeDocument/2006/customXml" ds:itemID="{EFA5023C-CFF0-49E8-B99E-7FADFF4A9B8A}">
+<ds:datastoreItem xmlns:ds="http://schemas.openxmlformats.org/officeDocument/2006/customXml" ds:itemID="{25DA2972-14B0-49B1-8AEE-649693552067}">
   <ds:schemaRefs>
-    <ds:schemaRef ds:uri="http://schemas.microsoft.com/office/2006/documentManagement/types"/>
+    <ds:schemaRef ds:uri="http://schemas.microsoft.com/office/2006/metadata/contentType"/>
+    <ds:schemaRef ds:uri="http://schemas.microsoft.com/office/2006/metadata/properties/metaAttributes"/>
+    <ds:schemaRef ds:uri="http://www.w3.org/2001/XMLSchema"/>
+    <ds:schemaRef ds:uri="http://schemas.microsoft.com/office/2006/metadata/properties"/>
+    <ds:schemaRef ds:uri="http://schemas.openxmlformats.org/package/2006/metadata/core-properties"/>
     <ds:schemaRef ds:uri="http://purl.org/dc/elements/1.1/"/>
-    <ds:schemaRef ds:uri="http://www.w3.org/XML/1998/namespace"/>
-    <ds:schemaRef ds:uri="http://schemas.openxmlformats.org/package/2006/metadata/core-properties"/>
-    <ds:schemaRef ds:uri="http://purl.org/dc/dcmitype/"/>
     <ds:schemaRef ds:uri="http://purl.org/dc/terms/"/>
+    <ds:schemaRef ds:uri="http://schemas.microsoft.com/internal/obd"/>
     <ds:schemaRef ds:uri="http://schemas.microsoft.com/office/infopath/2007/PartnerControls"/>
-    <ds:schemaRef ds:uri="http://schemas.microsoft.com/office/2006/metadata/properties"/>
   </ds:schemaRefs>
 </ds:datastoreItem>
 </file>
@@ -14094,17 +14101,16 @@
 </file>
 
 <file path=customXml/itemProps3.xml><?xml version="1.0" encoding="utf-8"?>
-<ds:datastoreItem xmlns:ds="http://schemas.openxmlformats.org/officeDocument/2006/customXml" ds:itemID="{25DA2972-14B0-49B1-8AEE-649693552067}">
+<ds:datastoreItem xmlns:ds="http://schemas.openxmlformats.org/officeDocument/2006/customXml" ds:itemID="{EFA5023C-CFF0-49E8-B99E-7FADFF4A9B8A}">
   <ds:schemaRefs>
-    <ds:schemaRef ds:uri="http://schemas.microsoft.com/office/2006/metadata/contentType"/>
-    <ds:schemaRef ds:uri="http://schemas.microsoft.com/office/2006/metadata/properties/metaAttributes"/>
-    <ds:schemaRef ds:uri="http://www.w3.org/2001/XMLSchema"/>
+    <ds:schemaRef ds:uri="http://schemas.microsoft.com/office/2006/documentManagement/types"/>
+    <ds:schemaRef ds:uri="http://purl.org/dc/elements/1.1/"/>
+    <ds:schemaRef ds:uri="http://www.w3.org/XML/1998/namespace"/>
+    <ds:schemaRef ds:uri="http://schemas.openxmlformats.org/package/2006/metadata/core-properties"/>
+    <ds:schemaRef ds:uri="http://purl.org/dc/dcmitype/"/>
+    <ds:schemaRef ds:uri="http://purl.org/dc/terms/"/>
+    <ds:schemaRef ds:uri="http://schemas.microsoft.com/office/infopath/2007/PartnerControls"/>
     <ds:schemaRef ds:uri="http://schemas.microsoft.com/office/2006/metadata/properties"/>
-    <ds:schemaRef ds:uri="http://schemas.openxmlformats.org/package/2006/metadata/core-properties"/>
-    <ds:schemaRef ds:uri="http://purl.org/dc/elements/1.1/"/>
-    <ds:schemaRef ds:uri="http://purl.org/dc/terms/"/>
-    <ds:schemaRef ds:uri="http://schemas.microsoft.com/internal/obd"/>
-    <ds:schemaRef ds:uri="http://schemas.microsoft.com/office/infopath/2007/PartnerControls"/>
   </ds:schemaRefs>
 </ds:datastoreItem>
 </file>